--- a/6. Final/Air pollution in Europe.pptx
+++ b/6. Final/Air pollution in Europe.pptx
@@ -3328,7 +3328,7 @@
           <p:cNvPr id="0" name="slide1">
             <a:extLst>
               <a:ext uri="{FF2B5EF4-FFF2-40B4-BE49-F238E27FC236}">
-                <a16:creationId xmlns:a16="http://schemas.microsoft.com/office/drawing/2014/main" id="{1C53BE67-D3F8-466B-97BB-37B6CC36D593}"/>
+                <a16:creationId xmlns:a16="http://schemas.microsoft.com/office/drawing/2014/main" id="{0B8E960B-404E-48A1-9CFD-D55556E7CE77}"/>
               </a:ext>
             </a:extLst>
           </p:cNvPr>
@@ -3356,7 +3356,7 @@
           <p:cNvPr id="1" name="slide1">
             <a:extLst>
               <a:ext uri="{FF2B5EF4-FFF2-40B4-BE49-F238E27FC236}">
-                <a16:creationId xmlns:a16="http://schemas.microsoft.com/office/drawing/2014/main" id="{534C9284-1B96-4E4F-937D-8E647B212E6A}"/>
+                <a16:creationId xmlns:a16="http://schemas.microsoft.com/office/drawing/2014/main" id="{01E05BD8-275E-4517-87DB-4DD0BF492A01}"/>
               </a:ext>
             </a:extLst>
           </p:cNvPr>
@@ -3374,7 +3374,7 @@
           <a:p>
             <a:r>
               <a:rPr/>
-              <a:t>Fichier créé le : 25/03/2022 14:28:35</a:t>
+              <a:t>Fichier créé le : 26/03/2022 11:33:20</a:t>
             </a:r>
           </a:p>
         </p:txBody>
@@ -3414,7 +3414,7 @@
           <p:cNvPr descr="Histoire 11" id="2" name="slide2">
             <a:extLst>
               <a:ext uri="{FF2B5EF4-FFF2-40B4-BE49-F238E27FC236}">
-                <a16:creationId xmlns:a16="http://schemas.microsoft.com/office/drawing/2014/main" id="{AA749308-0281-4308-99F4-4CB65783C5DE}"/>
+                <a16:creationId xmlns:a16="http://schemas.microsoft.com/office/drawing/2014/main" id="{6BCA0BFA-80FF-49B4-8B4C-3CC15F0DCF50}"/>
               </a:ext>
             </a:extLst>
           </p:cNvPr>
@@ -3480,7 +3480,7 @@
           <p:cNvPr descr="Histoire 12" id="3" name="slide3">
             <a:extLst>
               <a:ext uri="{FF2B5EF4-FFF2-40B4-BE49-F238E27FC236}">
-                <a16:creationId xmlns:a16="http://schemas.microsoft.com/office/drawing/2014/main" id="{CD84DB73-15CB-45ED-9A46-6AA7FA17B133}"/>
+                <a16:creationId xmlns:a16="http://schemas.microsoft.com/office/drawing/2014/main" id="{A74C9906-5050-4FB8-A646-C1C4147B8677}"/>
               </a:ext>
             </a:extLst>
           </p:cNvPr>
